--- a/lectures/05-Corresp.pptx
+++ b/lectures/05-Corresp.pptx
@@ -189,6 +189,10 @@
             <p14:sldId id="265"/>
             <p14:sldId id="266"/>
             <p14:sldId id="267"/>
+          </p14:sldIdLst>
+        </p14:section>
+        <p14:section name="SVD" id="{9D8C2E62-6E77-4B11-8560-821B58321A40}">
+          <p14:sldIdLst>
             <p14:sldId id="268"/>
             <p14:sldId id="269"/>
             <p14:sldId id="270"/>
@@ -368,7 +372,7 @@
           <a:p>
             <a:fld id="{08BD4FA9-F3CE-45B3-A980-C331C6F1EF65}" type="datetimeFigureOut">
               <a:rPr lang="en-US" smtClean="0"/>
-              <a:t>12/5/2022</a:t>
+              <a:t>12/15/2022</a:t>
             </a:fld>
             <a:endParaRPr lang="en-US"/>
           </a:p>
@@ -533,7 +537,7 @@
           <a:p>
             <a:fld id="{9DECD275-92FA-4F7E-8B0B-EA233E7B91E3}" type="datetimeFigureOut">
               <a:rPr lang="en-CA" smtClean="0"/>
-              <a:t>2022-12-05</a:t>
+              <a:t>12/15/22</a:t>
             </a:fld>
             <a:endParaRPr lang="en-CA"/>
           </a:p>
@@ -1159,7 +1163,7 @@
           <a:p>
             <a:fld id="{EAAD3657-2200-4D14-82C0-10C39B0F0F06}" type="datetime1">
               <a:rPr lang="en-US" smtClean="0"/>
-              <a:t>12/5/2022</a:t>
+              <a:t>12/15/2022</a:t>
             </a:fld>
             <a:endParaRPr lang="en-US"/>
           </a:p>
@@ -1327,7 +1331,7 @@
           <a:p>
             <a:fld id="{11BBAF55-A85E-4993-914E-FC1E5AA7DF24}" type="datetime1">
               <a:rPr lang="en-US" smtClean="0"/>
-              <a:t>12/5/2022</a:t>
+              <a:t>12/15/2022</a:t>
             </a:fld>
             <a:endParaRPr lang="en-US"/>
           </a:p>
@@ -1505,7 +1509,7 @@
           <a:p>
             <a:fld id="{39816E07-E1DB-44A4-A5E5-9F4B54E8C933}" type="datetime1">
               <a:rPr lang="en-US" smtClean="0"/>
-              <a:t>12/5/2022</a:t>
+              <a:t>12/15/2022</a:t>
             </a:fld>
             <a:endParaRPr lang="en-US"/>
           </a:p>
@@ -1690,7 +1694,7 @@
           <a:p>
             <a:fld id="{C2B1AD17-B813-4477-8AFE-B1860CC59113}" type="datetime1">
               <a:rPr lang="en-US" smtClean="0"/>
-              <a:t>12/5/2022</a:t>
+              <a:t>12/15/2022</a:t>
             </a:fld>
             <a:endParaRPr lang="en-US"/>
           </a:p>
@@ -1935,7 +1939,7 @@
           <a:p>
             <a:fld id="{D0975C0D-5C9E-48CC-8D31-F42D19FA8F7A}" type="datetime1">
               <a:rPr lang="en-US" smtClean="0"/>
-              <a:t>12/5/2022</a:t>
+              <a:t>12/15/2022</a:t>
             </a:fld>
             <a:endParaRPr lang="en-US"/>
           </a:p>
@@ -2220,7 +2224,7 @@
           <a:p>
             <a:fld id="{28657551-0F2B-4F09-86FD-F7994CE83DC5}" type="datetime1">
               <a:rPr lang="en-US" smtClean="0"/>
-              <a:t>12/5/2022</a:t>
+              <a:t>12/15/2022</a:t>
             </a:fld>
             <a:endParaRPr lang="en-US"/>
           </a:p>
@@ -2639,7 +2643,7 @@
           <a:p>
             <a:fld id="{3929D2B2-4200-46B9-96C3-02A55D5FAA00}" type="datetime1">
               <a:rPr lang="en-US" smtClean="0"/>
-              <a:t>12/5/2022</a:t>
+              <a:t>12/15/2022</a:t>
             </a:fld>
             <a:endParaRPr lang="en-US"/>
           </a:p>
@@ -2756,7 +2760,7 @@
           <a:p>
             <a:fld id="{41FF7722-74E8-497F-A072-89677A2C2373}" type="datetime1">
               <a:rPr lang="en-US" smtClean="0"/>
-              <a:t>12/5/2022</a:t>
+              <a:t>12/15/2022</a:t>
             </a:fld>
             <a:endParaRPr lang="en-US"/>
           </a:p>
@@ -2851,7 +2855,7 @@
           <a:p>
             <a:fld id="{BD26212E-B46B-426F-AE59-AA326827D9E0}" type="datetime1">
               <a:rPr lang="en-US" smtClean="0"/>
-              <a:t>12/5/2022</a:t>
+              <a:t>12/15/2022</a:t>
             </a:fld>
             <a:endParaRPr lang="en-US"/>
           </a:p>
@@ -3126,7 +3130,7 @@
           <a:p>
             <a:fld id="{FB9B81E8-09EA-4684-A39F-38DE1E49D20C}" type="datetime1">
               <a:rPr lang="en-US" smtClean="0"/>
-              <a:t>12/5/2022</a:t>
+              <a:t>12/15/2022</a:t>
             </a:fld>
             <a:endParaRPr lang="en-US"/>
           </a:p>
@@ -3378,7 +3382,7 @@
           <a:p>
             <a:fld id="{35C5CC5F-056C-4047-9A5C-9F5B4BED129B}" type="datetime1">
               <a:rPr lang="en-US" smtClean="0"/>
-              <a:t>12/5/2022</a:t>
+              <a:t>12/15/2022</a:t>
             </a:fld>
             <a:endParaRPr lang="en-US"/>
           </a:p>
@@ -3592,7 +3596,7 @@
           <a:p>
             <a:fld id="{E8171053-07BD-4A17-AC24-0A22EAA36098}" type="datetime1">
               <a:rPr lang="en-US" smtClean="0"/>
-              <a:t>12/5/2022</a:t>
+              <a:t>12/15/2022</a:t>
             </a:fld>
             <a:endParaRPr lang="en-US"/>
           </a:p>
@@ -5164,6 +5168,18 @@
   <p:clrMapOvr>
     <a:masterClrMapping/>
   </p:clrMapOvr>
+  <mc:AlternateContent xmlns:mc="http://schemas.openxmlformats.org/markup-compatibility/2006">
+    <mc:Choice xmlns:p14="http://schemas.microsoft.com/office/powerpoint/2010/main" Requires="p14">
+      <p:transition spd="slow" p14:dur="2000">
+        <p14:prism isContent="1"/>
+      </p:transition>
+    </mc:Choice>
+    <mc:Fallback>
+      <p:transition spd="slow">
+        <p:fade/>
+      </p:transition>
+    </mc:Fallback>
+  </mc:AlternateContent>
 </p:sld>
 </file>
 
@@ -7220,6 +7236,11 @@
           <a:p>
             <a:r>
               <a:rPr lang="en-CA" b="1" dirty="0">
+                <a:solidFill>
+                  <a:schemeClr val="accent6">
+                    <a:lumMod val="50000"/>
+                  </a:schemeClr>
+                </a:solidFill>
                 <a:latin typeface="Courier New" panose="02070309020205020404" pitchFamily="49" charset="0"/>
                 <a:cs typeface="Courier New" panose="02070309020205020404" pitchFamily="49" charset="0"/>
               </a:rPr>
@@ -7890,7 +7911,12 @@
               <a:t>The </a:t>
             </a:r>
             <a:r>
-              <a:rPr lang="en-CA" sz="1800" dirty="0">
+              <a:rPr lang="en-CA" sz="1800" b="1" dirty="0">
+                <a:solidFill>
+                  <a:schemeClr val="accent6">
+                    <a:lumMod val="50000"/>
+                  </a:schemeClr>
+                </a:solidFill>
                 <a:latin typeface="Courier New" panose="02070309020205020404" pitchFamily="49" charset="0"/>
                 <a:cs typeface="Courier New" panose="02070309020205020404" pitchFamily="49" charset="0"/>
               </a:rPr>
@@ -10697,8 +10723,13 @@
             <a:pPr lvl="1"/>
             <a:r>
               <a:rPr lang="en-US" dirty="0"/>
-              <a:t>CA()</a:t>
-            </a:r>
+              <a:t>CA() – many options for graphical displays, </a:t>
+            </a:r>
+            <a:r>
+              <a:rPr lang="en-US"/>
+              <a:t>but quirky</a:t>
+            </a:r>
+            <a:endParaRPr lang="en-US" dirty="0"/>
           </a:p>
         </p:txBody>
       </p:sp>
@@ -11648,6 +11679,18 @@
   <p:clrMapOvr>
     <a:masterClrMapping/>
   </p:clrMapOvr>
+  <mc:AlternateContent xmlns:mc="http://schemas.openxmlformats.org/markup-compatibility/2006">
+    <mc:Choice xmlns:p14="http://schemas.microsoft.com/office/powerpoint/2010/main" Requires="p14">
+      <p:transition spd="slow" p14:dur="2000">
+        <p14:prism isContent="1"/>
+      </p:transition>
+    </mc:Choice>
+    <mc:Fallback>
+      <p:transition spd="slow">
+        <p:fade/>
+      </p:transition>
+    </mc:Fallback>
+  </mc:AlternateContent>
   <p:timing>
     <p:tnLst>
       <p:par>
@@ -16606,6 +16649,18 @@
   <p:clrMapOvr>
     <a:masterClrMapping/>
   </p:clrMapOvr>
+  <mc:AlternateContent xmlns:mc="http://schemas.openxmlformats.org/markup-compatibility/2006">
+    <mc:Choice xmlns:p14="http://schemas.microsoft.com/office/powerpoint/2010/main" Requires="p14">
+      <p:transition spd="slow" p14:dur="2000">
+        <p14:prism isContent="1"/>
+      </p:transition>
+    </mc:Choice>
+    <mc:Fallback>
+      <p:transition spd="slow">
+        <p:fade/>
+      </p:transition>
+    </mc:Fallback>
+  </mc:AlternateContent>
   <p:timing>
     <p:tnLst>
       <p:par>

--- a/lectures/05-Corresp.pptx
+++ b/lectures/05-Corresp.pptx
@@ -372,7 +372,7 @@
           <a:p>
             <a:fld id="{08BD4FA9-F3CE-45B3-A980-C331C6F1EF65}" type="datetimeFigureOut">
               <a:rPr lang="en-US" smtClean="0"/>
-              <a:t>12/15/2022</a:t>
+              <a:t>12/26/2022</a:t>
             </a:fld>
             <a:endParaRPr lang="en-US"/>
           </a:p>
@@ -537,7 +537,7 @@
           <a:p>
             <a:fld id="{9DECD275-92FA-4F7E-8B0B-EA233E7B91E3}" type="datetimeFigureOut">
               <a:rPr lang="en-CA" smtClean="0"/>
-              <a:t>12/15/22</a:t>
+              <a:t>26/12/2022</a:t>
             </a:fld>
             <a:endParaRPr lang="en-CA"/>
           </a:p>
@@ -1163,7 +1163,7 @@
           <a:p>
             <a:fld id="{EAAD3657-2200-4D14-82C0-10C39B0F0F06}" type="datetime1">
               <a:rPr lang="en-US" smtClean="0"/>
-              <a:t>12/15/2022</a:t>
+              <a:t>12/26/2022</a:t>
             </a:fld>
             <a:endParaRPr lang="en-US"/>
           </a:p>
@@ -1331,7 +1331,7 @@
           <a:p>
             <a:fld id="{11BBAF55-A85E-4993-914E-FC1E5AA7DF24}" type="datetime1">
               <a:rPr lang="en-US" smtClean="0"/>
-              <a:t>12/15/2022</a:t>
+              <a:t>12/26/2022</a:t>
             </a:fld>
             <a:endParaRPr lang="en-US"/>
           </a:p>
@@ -1509,7 +1509,7 @@
           <a:p>
             <a:fld id="{39816E07-E1DB-44A4-A5E5-9F4B54E8C933}" type="datetime1">
               <a:rPr lang="en-US" smtClean="0"/>
-              <a:t>12/15/2022</a:t>
+              <a:t>12/26/2022</a:t>
             </a:fld>
             <a:endParaRPr lang="en-US"/>
           </a:p>
@@ -1694,7 +1694,7 @@
           <a:p>
             <a:fld id="{C2B1AD17-B813-4477-8AFE-B1860CC59113}" type="datetime1">
               <a:rPr lang="en-US" smtClean="0"/>
-              <a:t>12/15/2022</a:t>
+              <a:t>12/26/2022</a:t>
             </a:fld>
             <a:endParaRPr lang="en-US"/>
           </a:p>
@@ -1939,7 +1939,7 @@
           <a:p>
             <a:fld id="{D0975C0D-5C9E-48CC-8D31-F42D19FA8F7A}" type="datetime1">
               <a:rPr lang="en-US" smtClean="0"/>
-              <a:t>12/15/2022</a:t>
+              <a:t>12/26/2022</a:t>
             </a:fld>
             <a:endParaRPr lang="en-US"/>
           </a:p>
@@ -2224,7 +2224,7 @@
           <a:p>
             <a:fld id="{28657551-0F2B-4F09-86FD-F7994CE83DC5}" type="datetime1">
               <a:rPr lang="en-US" smtClean="0"/>
-              <a:t>12/15/2022</a:t>
+              <a:t>12/26/2022</a:t>
             </a:fld>
             <a:endParaRPr lang="en-US"/>
           </a:p>
@@ -2643,7 +2643,7 @@
           <a:p>
             <a:fld id="{3929D2B2-4200-46B9-96C3-02A55D5FAA00}" type="datetime1">
               <a:rPr lang="en-US" smtClean="0"/>
-              <a:t>12/15/2022</a:t>
+              <a:t>12/26/2022</a:t>
             </a:fld>
             <a:endParaRPr lang="en-US"/>
           </a:p>
@@ -2760,7 +2760,7 @@
           <a:p>
             <a:fld id="{41FF7722-74E8-497F-A072-89677A2C2373}" type="datetime1">
               <a:rPr lang="en-US" smtClean="0"/>
-              <a:t>12/15/2022</a:t>
+              <a:t>12/26/2022</a:t>
             </a:fld>
             <a:endParaRPr lang="en-US"/>
           </a:p>
@@ -2855,7 +2855,7 @@
           <a:p>
             <a:fld id="{BD26212E-B46B-426F-AE59-AA326827D9E0}" type="datetime1">
               <a:rPr lang="en-US" smtClean="0"/>
-              <a:t>12/15/2022</a:t>
+              <a:t>12/26/2022</a:t>
             </a:fld>
             <a:endParaRPr lang="en-US"/>
           </a:p>
@@ -3130,7 +3130,7 @@
           <a:p>
             <a:fld id="{FB9B81E8-09EA-4684-A39F-38DE1E49D20C}" type="datetime1">
               <a:rPr lang="en-US" smtClean="0"/>
-              <a:t>12/15/2022</a:t>
+              <a:t>12/26/2022</a:t>
             </a:fld>
             <a:endParaRPr lang="en-US"/>
           </a:p>
@@ -3382,7 +3382,7 @@
           <a:p>
             <a:fld id="{35C5CC5F-056C-4047-9A5C-9F5B4BED129B}" type="datetime1">
               <a:rPr lang="en-US" smtClean="0"/>
-              <a:t>12/15/2022</a:t>
+              <a:t>12/26/2022</a:t>
             </a:fld>
             <a:endParaRPr lang="en-US"/>
           </a:p>
@@ -3596,7 +3596,7 @@
           <a:p>
             <a:fld id="{E8171053-07BD-4A17-AC24-0A22EAA36098}" type="datetime1">
               <a:rPr lang="en-US" smtClean="0"/>
-              <a:t>12/15/2022</a:t>
+              <a:t>12/26/2022</a:t>
             </a:fld>
             <a:endParaRPr lang="en-US"/>
           </a:p>
@@ -3968,13 +3968,35 @@
   <p:cSld>
     <p:bg>
       <p:bgPr>
-        <a:solidFill>
-          <a:schemeClr val="accent1">
-            <a:lumMod val="20000"/>
-            <a:lumOff val="80000"/>
-            <a:alpha val="60000"/>
-          </a:schemeClr>
-        </a:solidFill>
+        <a:gradFill>
+          <a:gsLst>
+            <a:gs pos="0">
+              <a:schemeClr val="accent1">
+                <a:lumMod val="5000"/>
+                <a:lumOff val="95000"/>
+              </a:schemeClr>
+            </a:gs>
+            <a:gs pos="74000">
+              <a:schemeClr val="accent1">
+                <a:lumMod val="45000"/>
+                <a:lumOff val="55000"/>
+              </a:schemeClr>
+            </a:gs>
+            <a:gs pos="83000">
+              <a:schemeClr val="accent1">
+                <a:lumMod val="45000"/>
+                <a:lumOff val="55000"/>
+              </a:schemeClr>
+            </a:gs>
+            <a:gs pos="100000">
+              <a:schemeClr val="accent1">
+                <a:lumMod val="30000"/>
+                <a:lumOff val="70000"/>
+              </a:schemeClr>
+            </a:gs>
+          </a:gsLst>
+          <a:lin ang="5400000" scaled="1"/>
+        </a:gradFill>
         <a:effectLst/>
       </p:bgPr>
     </p:bg>
@@ -5168,13 +5190,13 @@
   <p:clrMapOvr>
     <a:masterClrMapping/>
   </p:clrMapOvr>
-  <mc:AlternateContent xmlns:mc="http://schemas.openxmlformats.org/markup-compatibility/2006">
-    <mc:Choice xmlns:p14="http://schemas.microsoft.com/office/powerpoint/2010/main" Requires="p14">
+  <mc:AlternateContent xmlns:mc="http://schemas.openxmlformats.org/markup-compatibility/2006" xmlns:p14="http://schemas.microsoft.com/office/powerpoint/2010/main">
+    <mc:Choice Requires="p14">
       <p:transition spd="slow" p14:dur="2000">
         <p14:prism isContent="1"/>
       </p:transition>
     </mc:Choice>
-    <mc:Fallback>
+    <mc:Fallback xmlns="">
       <p:transition spd="slow">
         <p:fade/>
       </p:transition>
@@ -6503,36 +6525,6 @@
           </a:prstGeom>
         </p:spPr>
       </p:pic>
-      <p:pic>
-        <p:nvPicPr>
-          <p:cNvPr id="8" name="Picture 7">
-            <a:extLst>
-              <a:ext uri="{FF2B5EF4-FFF2-40B4-BE49-F238E27FC236}">
-                <a16:creationId xmlns:a16="http://schemas.microsoft.com/office/drawing/2014/main" id="{FE6F05BC-FB88-E545-AE62-0615F54ABE04}"/>
-              </a:ext>
-            </a:extLst>
-          </p:cNvPr>
-          <p:cNvPicPr>
-            <a:picLocks noChangeAspect="1"/>
-          </p:cNvPicPr>
-          <p:nvPr/>
-        </p:nvPicPr>
-        <p:blipFill>
-          <a:blip r:embed="rId3"/>
-          <a:stretch>
-            <a:fillRect/>
-          </a:stretch>
-        </p:blipFill>
-        <p:spPr>
-          <a:xfrm>
-            <a:off x="4191000" y="2957565"/>
-            <a:ext cx="4400000" cy="847619"/>
-          </a:xfrm>
-          <a:prstGeom prst="rect">
-            <a:avLst/>
-          </a:prstGeom>
-        </p:spPr>
-      </p:pic>
       <p:sp>
         <p:nvSpPr>
           <p:cNvPr id="9" name="Arrow: Right 8">
@@ -6579,6 +6571,36 @@
           </a:p>
         </p:txBody>
       </p:sp>
+      <p:pic>
+        <p:nvPicPr>
+          <p:cNvPr id="5" name="Picture 4">
+            <a:extLst>
+              <a:ext uri="{FF2B5EF4-FFF2-40B4-BE49-F238E27FC236}">
+                <a16:creationId xmlns:a16="http://schemas.microsoft.com/office/drawing/2014/main" id="{CF3F2999-557A-4296-BCF3-ED06EAD10AE9}"/>
+              </a:ext>
+            </a:extLst>
+          </p:cNvPr>
+          <p:cNvPicPr>
+            <a:picLocks noChangeAspect="1"/>
+          </p:cNvPicPr>
+          <p:nvPr/>
+        </p:nvPicPr>
+        <p:blipFill>
+          <a:blip r:embed="rId3"/>
+          <a:stretch>
+            <a:fillRect/>
+          </a:stretch>
+        </p:blipFill>
+        <p:spPr>
+          <a:xfrm>
+            <a:off x="4173353" y="2958070"/>
+            <a:ext cx="4509656" cy="850392"/>
+          </a:xfrm>
+          <a:prstGeom prst="rect">
+            <a:avLst/>
+          </a:prstGeom>
+        </p:spPr>
+      </p:pic>
     </p:spTree>
     <p:extLst>
       <p:ext uri="{BB962C8B-B14F-4D97-AF65-F5344CB8AC3E}">
@@ -6663,8 +6685,16 @@
           <a:lstStyle/>
           <a:p>
             <a:r>
+              <a:rPr lang="en-CA" sz="2000" b="1" dirty="0">
+                <a:solidFill>
+                  <a:srgbClr val="0070C0"/>
+                </a:solidFill>
+              </a:rPr>
+              <a:t>Nested solutions</a:t>
+            </a:r>
+            <a:r>
               <a:rPr lang="en-CA" sz="2000" b="1" dirty="0"/>
-              <a:t>Nested solutions: </a:t>
+              <a:t>: </a:t>
             </a:r>
             <a:r>
               <a:rPr lang="en-CA" sz="2000" dirty="0"/>
@@ -6685,8 +6715,16 @@
           </a:p>
           <a:p>
             <a:r>
+              <a:rPr lang="en-CA" sz="2000" b="1" dirty="0">
+                <a:solidFill>
+                  <a:srgbClr val="0070C0"/>
+                </a:solidFill>
+              </a:rPr>
+              <a:t>Centroids at origin</a:t>
+            </a:r>
+            <a:r>
               <a:rPr lang="en-CA" sz="2000" b="1" dirty="0"/>
-              <a:t>Centroids at origin: </a:t>
+              <a:t>: </a:t>
             </a:r>
             <a:r>
               <a:rPr lang="en-CA" sz="2000" dirty="0"/>
@@ -6702,8 +6740,16 @@
           </a:p>
           <a:p>
             <a:r>
+              <a:rPr lang="en-CA" sz="2000" b="1" dirty="0">
+                <a:solidFill>
+                  <a:srgbClr val="0070C0"/>
+                </a:solidFill>
+              </a:rPr>
+              <a:t>Chi-square distances</a:t>
+            </a:r>
+            <a:r>
               <a:rPr lang="en-CA" sz="2000" b="1" dirty="0"/>
-              <a:t>Chi-square distances: </a:t>
+              <a:t>: </a:t>
             </a:r>
             <a:r>
               <a:rPr lang="en-CA" sz="2000" dirty="0"/>
@@ -6820,8 +6866,16 @@
           </a:p>
           <a:p>
             <a:r>
+              <a:rPr lang="en-CA" sz="2000" b="1" dirty="0">
+                <a:solidFill>
+                  <a:srgbClr val="0070C0"/>
+                </a:solidFill>
+              </a:rPr>
+              <a:t>Plotting</a:t>
+            </a:r>
+            <a:r>
               <a:rPr lang="en-CA" sz="2000" b="1" dirty="0"/>
-              <a:t>Plotting: </a:t>
+              <a:t>: </a:t>
             </a:r>
             <a:r>
               <a:rPr lang="en-CA" sz="2000" dirty="0"/>
@@ -6833,7 +6887,19 @@
             </a:r>
             <a:r>
               <a:rPr lang="en-CA" sz="2000" dirty="0"/>
-              <a:t> is the same on both axes (aspect ratio = 1). This is standard in most packages. </a:t>
+              <a:t> is the same on both axes (</a:t>
+            </a:r>
+            <a:r>
+              <a:rPr lang="en-CA" sz="2000" dirty="0">
+                <a:solidFill>
+                  <a:srgbClr val="0070C0"/>
+                </a:solidFill>
+              </a:rPr>
+              <a:t>aspect ratio = 1</a:t>
+            </a:r>
+            <a:r>
+              <a:rPr lang="en-CA" sz="2000" dirty="0"/>
+              <a:t>). This is standard in most packages. </a:t>
             </a:r>
           </a:p>
         </p:txBody>
@@ -8581,6 +8647,18 @@
   <p:clrMapOvr>
     <a:masterClrMapping/>
   </p:clrMapOvr>
+  <mc:AlternateContent xmlns:mc="http://schemas.openxmlformats.org/markup-compatibility/2006">
+    <mc:Choice xmlns:p14="http://schemas.microsoft.com/office/powerpoint/2010/main" Requires="p14">
+      <p:transition spd="slow" p14:dur="2000">
+        <p14:prism isContent="1"/>
+      </p:transition>
+    </mc:Choice>
+    <mc:Fallback>
+      <p:transition spd="slow">
+        <p:fade/>
+      </p:transition>
+    </mc:Fallback>
+  </mc:AlternateContent>
 </p:sld>
 </file>
 
@@ -11679,13 +11757,13 @@
   <p:clrMapOvr>
     <a:masterClrMapping/>
   </p:clrMapOvr>
-  <mc:AlternateContent xmlns:mc="http://schemas.openxmlformats.org/markup-compatibility/2006">
-    <mc:Choice xmlns:p14="http://schemas.microsoft.com/office/powerpoint/2010/main" Requires="p14">
+  <mc:AlternateContent xmlns:mc="http://schemas.openxmlformats.org/markup-compatibility/2006" xmlns:p14="http://schemas.microsoft.com/office/powerpoint/2010/main">
+    <mc:Choice Requires="p14">
       <p:transition spd="slow" p14:dur="2000">
         <p14:prism isContent="1"/>
       </p:transition>
     </mc:Choice>
-    <mc:Fallback>
+    <mc:Fallback xmlns="">
       <p:transition spd="slow">
         <p:fade/>
       </p:transition>
@@ -12756,14 +12834,24 @@
           <a:lstStyle/>
           <a:p>
             <a:r>
-              <a:rPr lang="en-US" sz="2000" dirty="0" err="1">
+              <a:rPr lang="en-US" sz="2000" b="1" dirty="0" err="1">
+                <a:solidFill>
+                  <a:schemeClr val="accent6">
+                    <a:lumMod val="50000"/>
+                  </a:schemeClr>
+                </a:solidFill>
                 <a:latin typeface="Courier New" panose="02070309020205020404" pitchFamily="49" charset="0"/>
                 <a:cs typeface="Courier New" panose="02070309020205020404" pitchFamily="49" charset="0"/>
               </a:rPr>
               <a:t>vcd</a:t>
             </a:r>
             <a:r>
-              <a:rPr lang="en-US" sz="2000" dirty="0">
+              <a:rPr lang="en-US" sz="2000" b="1" dirty="0">
+                <a:solidFill>
+                  <a:schemeClr val="accent6">
+                    <a:lumMod val="50000"/>
+                  </a:schemeClr>
+                </a:solidFill>
                 <a:latin typeface="Courier New" panose="02070309020205020404" pitchFamily="49" charset="0"/>
                 <a:cs typeface="Courier New" panose="02070309020205020404" pitchFamily="49" charset="0"/>
               </a:rPr>
@@ -15972,18 +16060,25 @@
               <a:t>&gt; suicide.ca2s &lt;- ca(suicide.tab2s, </a:t>
             </a:r>
             <a:r>
-              <a:rPr lang="en-US" sz="1400" dirty="0" err="1">
+              <a:rPr lang="en-US" sz="1400" b="1" dirty="0" err="1">
                 <a:latin typeface="Courier New" panose="02070309020205020404" pitchFamily="49" charset="0"/>
                 <a:cs typeface="Courier New" panose="02070309020205020404" pitchFamily="49" charset="0"/>
               </a:rPr>
               <a:t>suprow</a:t>
             </a:r>
             <a:r>
+              <a:rPr lang="en-US" sz="1400" b="1" dirty="0">
+                <a:latin typeface="Courier New" panose="02070309020205020404" pitchFamily="49" charset="0"/>
+                <a:cs typeface="Courier New" panose="02070309020205020404" pitchFamily="49" charset="0"/>
+              </a:rPr>
+              <a:t>=6:7</a:t>
+            </a:r>
+            <a:r>
               <a:rPr lang="en-US" sz="1400" dirty="0">
                 <a:latin typeface="Courier New" panose="02070309020205020404" pitchFamily="49" charset="0"/>
                 <a:cs typeface="Courier New" panose="02070309020205020404" pitchFamily="49" charset="0"/>
               </a:rPr>
-              <a:t>=6:7)</a:t>
+              <a:t>)</a:t>
             </a:r>
           </a:p>
           <a:p>
@@ -16649,13 +16744,13 @@
   <p:clrMapOvr>
     <a:masterClrMapping/>
   </p:clrMapOvr>
-  <mc:AlternateContent xmlns:mc="http://schemas.openxmlformats.org/markup-compatibility/2006">
-    <mc:Choice xmlns:p14="http://schemas.microsoft.com/office/powerpoint/2010/main" Requires="p14">
+  <mc:AlternateContent xmlns:mc="http://schemas.openxmlformats.org/markup-compatibility/2006" xmlns:p14="http://schemas.microsoft.com/office/powerpoint/2010/main">
+    <mc:Choice Requires="p14">
       <p:transition spd="slow" p14:dur="2000">
         <p14:prism isContent="1"/>
       </p:transition>
     </mc:Choice>
-    <mc:Fallback>
+    <mc:Fallback xmlns="">
       <p:transition spd="slow">
         <p:fade/>
       </p:transition>
@@ -20262,14 +20357,42 @@
             </a:r>
             <a:r>
               <a:rPr lang="en-US" sz="2000" dirty="0"/>
-              <a:t> the Titanic data using ca::</a:t>
-            </a:r>
-            <a:r>
-              <a:rPr lang="en-US" sz="2000" dirty="0" err="1"/>
+              <a:t> the Titanic data using </a:t>
+            </a:r>
+            <a:r>
+              <a:rPr lang="en-US" sz="2000" b="1" dirty="0">
+                <a:solidFill>
+                  <a:schemeClr val="accent6">
+                    <a:lumMod val="50000"/>
+                  </a:schemeClr>
+                </a:solidFill>
+                <a:latin typeface="Courier New" panose="02070309020205020404" pitchFamily="49" charset="0"/>
+                <a:cs typeface="Courier New" panose="02070309020205020404" pitchFamily="49" charset="0"/>
+              </a:rPr>
+              <a:t>ca::</a:t>
+            </a:r>
+            <a:r>
+              <a:rPr lang="en-US" sz="2000" b="1" dirty="0" err="1">
+                <a:solidFill>
+                  <a:schemeClr val="accent6">
+                    <a:lumMod val="50000"/>
+                  </a:schemeClr>
+                </a:solidFill>
+                <a:latin typeface="Courier New" panose="02070309020205020404" pitchFamily="49" charset="0"/>
+                <a:cs typeface="Courier New" panose="02070309020205020404" pitchFamily="49" charset="0"/>
+              </a:rPr>
               <a:t>mcja</a:t>
             </a:r>
             <a:r>
-              <a:rPr lang="en-US" sz="2000" dirty="0"/>
+              <a:rPr lang="en-US" sz="2000" b="1" dirty="0">
+                <a:solidFill>
+                  <a:schemeClr val="accent6">
+                    <a:lumMod val="50000"/>
+                  </a:schemeClr>
+                </a:solidFill>
+                <a:latin typeface="Courier New" panose="02070309020205020404" pitchFamily="49" charset="0"/>
+                <a:cs typeface="Courier New" panose="02070309020205020404" pitchFamily="49" charset="0"/>
+              </a:rPr>
               <a:t>()</a:t>
             </a:r>
           </a:p>

--- a/lectures/05-Corresp.pptx
+++ b/lectures/05-Corresp.pptx
@@ -11161,18 +11161,25 @@
               <a:t>res.ca &lt;- </a:t>
             </a:r>
             <a:r>
-              <a:rPr lang="en-CA" sz="1600" dirty="0" err="1">
+              <a:rPr lang="en-CA" sz="1600" b="1" dirty="0" err="1">
                 <a:latin typeface="Courier New" panose="02070309020205020404" pitchFamily="49" charset="0"/>
                 <a:cs typeface="Courier New" panose="02070309020205020404" pitchFamily="49" charset="0"/>
               </a:rPr>
               <a:t>FactoMiner</a:t>
             </a:r>
             <a:r>
+              <a:rPr lang="en-CA" sz="1600" b="1" dirty="0">
+                <a:latin typeface="Courier New" panose="02070309020205020404" pitchFamily="49" charset="0"/>
+                <a:cs typeface="Courier New" panose="02070309020205020404" pitchFamily="49" charset="0"/>
+              </a:rPr>
+              <a:t>::CA</a:t>
+            </a:r>
+            <a:r>
               <a:rPr lang="en-CA" sz="1600" dirty="0">
                 <a:latin typeface="Courier New" panose="02070309020205020404" pitchFamily="49" charset="0"/>
                 <a:cs typeface="Courier New" panose="02070309020205020404" pitchFamily="49" charset="0"/>
               </a:rPr>
-              <a:t>::CA(</a:t>
+              <a:t>(</a:t>
             </a:r>
             <a:r>
               <a:rPr lang="en-CA" sz="1600" dirty="0" err="1">
@@ -25607,6 +25614,9 @@
                     <p:cTn id="3" fill="hold">
                       <p:stCondLst>
                         <p:cond delay="indefinite"/>
+                        <p:cond evt="onBegin" delay="0">
+                          <p:tn val="2"/>
+                        </p:cond>
                       </p:stCondLst>
                       <p:childTnLst>
                         <p:par>
@@ -25616,7 +25626,7 @@
                             </p:stCondLst>
                             <p:childTnLst>
                               <p:par>
-                                <p:cTn id="5" presetID="1" presetClass="entr" presetSubtype="0" fill="hold" nodeType="clickEffect">
+                                <p:cTn id="5" presetID="1" presetClass="entr" presetSubtype="0" fill="hold" nodeType="withEffect">
                                   <p:stCondLst>
                                     <p:cond delay="0"/>
                                   </p:stCondLst>
@@ -25646,6 +25656,33 @@
                                   </p:childTnLst>
                                 </p:cTn>
                               </p:par>
+                              <p:par>
+                                <p:cTn id="7" presetID="1" presetClass="entr" presetSubtype="0" fill="hold" nodeType="withEffect">
+                                  <p:stCondLst>
+                                    <p:cond delay="0"/>
+                                  </p:stCondLst>
+                                  <p:childTnLst>
+                                    <p:set>
+                                      <p:cBhvr>
+                                        <p:cTn id="8" dur="1" fill="hold">
+                                          <p:stCondLst>
+                                            <p:cond delay="0"/>
+                                          </p:stCondLst>
+                                        </p:cTn>
+                                        <p:tgtEl>
+                                          <p:spTgt spid="13"/>
+                                        </p:tgtEl>
+                                        <p:attrNameLst>
+                                          <p:attrName>style.visibility</p:attrName>
+                                        </p:attrNameLst>
+                                      </p:cBhvr>
+                                      <p:to>
+                                        <p:strVal val="visible"/>
+                                      </p:to>
+                                    </p:set>
+                                  </p:childTnLst>
+                                </p:cTn>
+                              </p:par>
                             </p:childTnLst>
                           </p:cTn>
                         </p:par>
@@ -25653,26 +25690,26 @@
                     </p:cTn>
                   </p:par>
                   <p:par>
-                    <p:cTn id="7" fill="hold">
+                    <p:cTn id="9" fill="hold">
                       <p:stCondLst>
                         <p:cond delay="indefinite"/>
                       </p:stCondLst>
                       <p:childTnLst>
                         <p:par>
-                          <p:cTn id="8" fill="hold">
+                          <p:cTn id="10" fill="hold">
                             <p:stCondLst>
                               <p:cond delay="0"/>
                             </p:stCondLst>
                             <p:childTnLst>
                               <p:par>
-                                <p:cTn id="9" presetID="1" presetClass="entr" presetSubtype="0" fill="hold" nodeType="clickEffect">
+                                <p:cTn id="11" presetID="1" presetClass="entr" presetSubtype="0" fill="hold" nodeType="clickEffect">
                                   <p:stCondLst>
                                     <p:cond delay="0"/>
                                   </p:stCondLst>
                                   <p:childTnLst>
                                     <p:set>
                                       <p:cBhvr>
-                                        <p:cTn id="10" dur="1" fill="hold">
+                                        <p:cTn id="12" dur="1" fill="hold">
                                           <p:stCondLst>
                                             <p:cond delay="0"/>
                                           </p:stCondLst>
@@ -25695,6 +25732,33 @@
                                   </p:childTnLst>
                                 </p:cTn>
                               </p:par>
+                              <p:par>
+                                <p:cTn id="13" presetID="1" presetClass="entr" presetSubtype="0" fill="hold" nodeType="withEffect">
+                                  <p:stCondLst>
+                                    <p:cond delay="0"/>
+                                  </p:stCondLst>
+                                  <p:childTnLst>
+                                    <p:set>
+                                      <p:cBhvr>
+                                        <p:cTn id="14" dur="1" fill="hold">
+                                          <p:stCondLst>
+                                            <p:cond delay="0"/>
+                                          </p:stCondLst>
+                                        </p:cTn>
+                                        <p:tgtEl>
+                                          <p:spTgt spid="5"/>
+                                        </p:tgtEl>
+                                        <p:attrNameLst>
+                                          <p:attrName>style.visibility</p:attrName>
+                                        </p:attrNameLst>
+                                      </p:cBhvr>
+                                      <p:to>
+                                        <p:strVal val="visible"/>
+                                      </p:to>
+                                    </p:set>
+                                  </p:childTnLst>
+                                </p:cTn>
+                              </p:par>
                             </p:childTnLst>
                           </p:cTn>
                         </p:par>
@@ -25702,26 +25766,26 @@
                     </p:cTn>
                   </p:par>
                   <p:par>
-                    <p:cTn id="11" fill="hold">
+                    <p:cTn id="15" fill="hold">
                       <p:stCondLst>
                         <p:cond delay="indefinite"/>
                       </p:stCondLst>
                       <p:childTnLst>
                         <p:par>
-                          <p:cTn id="12" fill="hold">
+                          <p:cTn id="16" fill="hold">
                             <p:stCondLst>
                               <p:cond delay="0"/>
                             </p:stCondLst>
                             <p:childTnLst>
                               <p:par>
-                                <p:cTn id="13" presetID="1" presetClass="entr" presetSubtype="0" fill="hold" nodeType="clickEffect">
+                                <p:cTn id="17" presetID="1" presetClass="entr" presetSubtype="0" fill="hold" nodeType="clickEffect">
                                   <p:stCondLst>
                                     <p:cond delay="0"/>
                                   </p:stCondLst>
                                   <p:childTnLst>
                                     <p:set>
                                       <p:cBhvr>
-                                        <p:cTn id="14" dur="1" fill="hold">
+                                        <p:cTn id="18" dur="1" fill="hold">
                                           <p:stCondLst>
                                             <p:cond delay="0"/>
                                           </p:stCondLst>
@@ -25745,14 +25809,14 @@
                                 </p:cTn>
                               </p:par>
                               <p:par>
-                                <p:cTn id="15" presetID="1" presetClass="entr" presetSubtype="0" fill="hold" grpId="0" nodeType="withEffect">
+                                <p:cTn id="19" presetID="1" presetClass="entr" presetSubtype="0" fill="hold" grpId="0" nodeType="withEffect">
                                   <p:stCondLst>
                                     <p:cond delay="0"/>
                                   </p:stCondLst>
                                   <p:childTnLst>
                                     <p:set>
                                       <p:cBhvr>
-                                        <p:cTn id="16" dur="1" fill="hold">
+                                        <p:cTn id="20" dur="1" fill="hold">
                                           <p:stCondLst>
                                             <p:cond delay="0"/>
                                           </p:stCondLst>
